--- a/diseno.pptx
+++ b/diseno.pptx
@@ -251,7 +251,7 @@
           <a:p>
             <a:fld id="{EFEADCC3-1F60-415E-986A-FF7DF280190D}" type="datetimeFigureOut">
               <a:rPr lang="en-US" smtClean="0"/>
-              <a:t>9/4/2017</a:t>
+              <a:t>9/14/2017</a:t>
             </a:fld>
             <a:endParaRPr lang="en-US"/>
           </a:p>
@@ -419,7 +419,7 @@
           <a:p>
             <a:fld id="{EFEADCC3-1F60-415E-986A-FF7DF280190D}" type="datetimeFigureOut">
               <a:rPr lang="en-US" smtClean="0"/>
-              <a:t>9/4/2017</a:t>
+              <a:t>9/14/2017</a:t>
             </a:fld>
             <a:endParaRPr lang="en-US"/>
           </a:p>
@@ -597,7 +597,7 @@
           <a:p>
             <a:fld id="{EFEADCC3-1F60-415E-986A-FF7DF280190D}" type="datetimeFigureOut">
               <a:rPr lang="en-US" smtClean="0"/>
-              <a:t>9/4/2017</a:t>
+              <a:t>9/14/2017</a:t>
             </a:fld>
             <a:endParaRPr lang="en-US"/>
           </a:p>
@@ -765,7 +765,7 @@
           <a:p>
             <a:fld id="{EFEADCC3-1F60-415E-986A-FF7DF280190D}" type="datetimeFigureOut">
               <a:rPr lang="en-US" smtClean="0"/>
-              <a:t>9/4/2017</a:t>
+              <a:t>9/14/2017</a:t>
             </a:fld>
             <a:endParaRPr lang="en-US"/>
           </a:p>
@@ -1010,7 +1010,7 @@
           <a:p>
             <a:fld id="{EFEADCC3-1F60-415E-986A-FF7DF280190D}" type="datetimeFigureOut">
               <a:rPr lang="en-US" smtClean="0"/>
-              <a:t>9/4/2017</a:t>
+              <a:t>9/14/2017</a:t>
             </a:fld>
             <a:endParaRPr lang="en-US"/>
           </a:p>
@@ -1239,7 +1239,7 @@
           <a:p>
             <a:fld id="{EFEADCC3-1F60-415E-986A-FF7DF280190D}" type="datetimeFigureOut">
               <a:rPr lang="en-US" smtClean="0"/>
-              <a:t>9/4/2017</a:t>
+              <a:t>9/14/2017</a:t>
             </a:fld>
             <a:endParaRPr lang="en-US"/>
           </a:p>
@@ -1603,7 +1603,7 @@
           <a:p>
             <a:fld id="{EFEADCC3-1F60-415E-986A-FF7DF280190D}" type="datetimeFigureOut">
               <a:rPr lang="en-US" smtClean="0"/>
-              <a:t>9/4/2017</a:t>
+              <a:t>9/14/2017</a:t>
             </a:fld>
             <a:endParaRPr lang="en-US"/>
           </a:p>
@@ -1720,7 +1720,7 @@
           <a:p>
             <a:fld id="{EFEADCC3-1F60-415E-986A-FF7DF280190D}" type="datetimeFigureOut">
               <a:rPr lang="en-US" smtClean="0"/>
-              <a:t>9/4/2017</a:t>
+              <a:t>9/14/2017</a:t>
             </a:fld>
             <a:endParaRPr lang="en-US"/>
           </a:p>
@@ -1815,7 +1815,7 @@
           <a:p>
             <a:fld id="{EFEADCC3-1F60-415E-986A-FF7DF280190D}" type="datetimeFigureOut">
               <a:rPr lang="en-US" smtClean="0"/>
-              <a:t>9/4/2017</a:t>
+              <a:t>9/14/2017</a:t>
             </a:fld>
             <a:endParaRPr lang="en-US"/>
           </a:p>
@@ -2090,7 +2090,7 @@
           <a:p>
             <a:fld id="{EFEADCC3-1F60-415E-986A-FF7DF280190D}" type="datetimeFigureOut">
               <a:rPr lang="en-US" smtClean="0"/>
-              <a:t>9/4/2017</a:t>
+              <a:t>9/14/2017</a:t>
             </a:fld>
             <a:endParaRPr lang="en-US"/>
           </a:p>
@@ -2342,7 +2342,7 @@
           <a:p>
             <a:fld id="{EFEADCC3-1F60-415E-986A-FF7DF280190D}" type="datetimeFigureOut">
               <a:rPr lang="en-US" smtClean="0"/>
-              <a:t>9/4/2017</a:t>
+              <a:t>9/14/2017</a:t>
             </a:fld>
             <a:endParaRPr lang="en-US"/>
           </a:p>
@@ -2553,7 +2553,7 @@
           <a:p>
             <a:fld id="{EFEADCC3-1F60-415E-986A-FF7DF280190D}" type="datetimeFigureOut">
               <a:rPr lang="en-US" smtClean="0"/>
-              <a:t>9/4/2017</a:t>
+              <a:t>9/14/2017</a:t>
             </a:fld>
             <a:endParaRPr lang="en-US"/>
           </a:p>
@@ -3473,6 +3473,46 @@
           </a:p>
         </p:txBody>
       </p:sp>
+      <p:sp>
+        <p:nvSpPr>
+          <p:cNvPr id="16" name="Oval 15"/>
+          <p:cNvSpPr/>
+          <p:nvPr/>
+        </p:nvSpPr>
+        <p:spPr>
+          <a:xfrm>
+            <a:off x="169720" y="3427520"/>
+            <a:ext cx="764771" cy="706581"/>
+          </a:xfrm>
+          <a:prstGeom prst="ellipse">
+            <a:avLst/>
+          </a:prstGeom>
+        </p:spPr>
+        <p:style>
+          <a:lnRef idx="2">
+            <a:schemeClr val="accent4">
+              <a:shade val="50000"/>
+            </a:schemeClr>
+          </a:lnRef>
+          <a:fillRef idx="1">
+            <a:schemeClr val="accent4"/>
+          </a:fillRef>
+          <a:effectRef idx="0">
+            <a:schemeClr val="accent4"/>
+          </a:effectRef>
+          <a:fontRef idx="minor">
+            <a:schemeClr val="lt1"/>
+          </a:fontRef>
+        </p:style>
+        <p:txBody>
+          <a:bodyPr rtlCol="0" anchor="ctr"/>
+          <a:lstStyle/>
+          <a:p>
+            <a:pPr algn="ctr"/>
+            <a:endParaRPr lang="en-US" dirty="0"/>
+          </a:p>
+        </p:txBody>
+      </p:sp>
     </p:spTree>
     <p:extLst>
       <p:ext uri="{BB962C8B-B14F-4D97-AF65-F5344CB8AC3E}">
